--- a/Python.pptx
+++ b/Python.pptx
@@ -7,6 +7,7 @@
   <p:sldIdLst>
     <p:sldId id="256" r:id="rId2"/>
     <p:sldId id="257" r:id="rId3"/>
+    <p:sldId id="258" r:id="rId4"/>
   </p:sldIdLst>
   <p:sldSz cx="12192000" cy="6858000"/>
   <p:notesSz cx="6858000" cy="9144000"/>
@@ -105,6 +106,11 @@
       </a:defRPr>
     </a:lvl9pPr>
   </p:defaultTextStyle>
+  <p:extLst>
+    <p:ext uri="{EFAFB233-063F-42B5-8137-9DF3F51BA10A}">
+      <p15:sldGuideLst xmlns:p15="http://schemas.microsoft.com/office/powerpoint/2012/main"/>
+    </p:ext>
+  </p:extLst>
 </p:presentation>
 </file>
 
@@ -259,7 +265,7 @@
           <a:p>
             <a:fld id="{489BBDF3-AD16-4D86-A3BC-AAB36FE465C3}" type="datetimeFigureOut">
               <a:rPr lang="en-US" smtClean="0"/>
-              <a:t>5/8/2018</a:t>
+              <a:t>5/28/2018</a:t>
             </a:fld>
             <a:endParaRPr lang="en-US"/>
           </a:p>
@@ -457,7 +463,7 @@
           <a:p>
             <a:fld id="{489BBDF3-AD16-4D86-A3BC-AAB36FE465C3}" type="datetimeFigureOut">
               <a:rPr lang="en-US" smtClean="0"/>
-              <a:t>5/8/2018</a:t>
+              <a:t>5/28/2018</a:t>
             </a:fld>
             <a:endParaRPr lang="en-US"/>
           </a:p>
@@ -665,7 +671,7 @@
           <a:p>
             <a:fld id="{489BBDF3-AD16-4D86-A3BC-AAB36FE465C3}" type="datetimeFigureOut">
               <a:rPr lang="en-US" smtClean="0"/>
-              <a:t>5/8/2018</a:t>
+              <a:t>5/28/2018</a:t>
             </a:fld>
             <a:endParaRPr lang="en-US"/>
           </a:p>
@@ -863,7 +869,7 @@
           <a:p>
             <a:fld id="{489BBDF3-AD16-4D86-A3BC-AAB36FE465C3}" type="datetimeFigureOut">
               <a:rPr lang="en-US" smtClean="0"/>
-              <a:t>5/8/2018</a:t>
+              <a:t>5/28/2018</a:t>
             </a:fld>
             <a:endParaRPr lang="en-US"/>
           </a:p>
@@ -1138,7 +1144,7 @@
           <a:p>
             <a:fld id="{489BBDF3-AD16-4D86-A3BC-AAB36FE465C3}" type="datetimeFigureOut">
               <a:rPr lang="en-US" smtClean="0"/>
-              <a:t>5/8/2018</a:t>
+              <a:t>5/28/2018</a:t>
             </a:fld>
             <a:endParaRPr lang="en-US"/>
           </a:p>
@@ -1403,7 +1409,7 @@
           <a:p>
             <a:fld id="{489BBDF3-AD16-4D86-A3BC-AAB36FE465C3}" type="datetimeFigureOut">
               <a:rPr lang="en-US" smtClean="0"/>
-              <a:t>5/8/2018</a:t>
+              <a:t>5/28/2018</a:t>
             </a:fld>
             <a:endParaRPr lang="en-US"/>
           </a:p>
@@ -1815,7 +1821,7 @@
           <a:p>
             <a:fld id="{489BBDF3-AD16-4D86-A3BC-AAB36FE465C3}" type="datetimeFigureOut">
               <a:rPr lang="en-US" smtClean="0"/>
-              <a:t>5/8/2018</a:t>
+              <a:t>5/28/2018</a:t>
             </a:fld>
             <a:endParaRPr lang="en-US"/>
           </a:p>
@@ -1956,7 +1962,7 @@
           <a:p>
             <a:fld id="{489BBDF3-AD16-4D86-A3BC-AAB36FE465C3}" type="datetimeFigureOut">
               <a:rPr lang="en-US" smtClean="0"/>
-              <a:t>5/8/2018</a:t>
+              <a:t>5/28/2018</a:t>
             </a:fld>
             <a:endParaRPr lang="en-US"/>
           </a:p>
@@ -2069,7 +2075,7 @@
           <a:p>
             <a:fld id="{489BBDF3-AD16-4D86-A3BC-AAB36FE465C3}" type="datetimeFigureOut">
               <a:rPr lang="en-US" smtClean="0"/>
-              <a:t>5/8/2018</a:t>
+              <a:t>5/28/2018</a:t>
             </a:fld>
             <a:endParaRPr lang="en-US"/>
           </a:p>
@@ -2380,7 +2386,7 @@
           <a:p>
             <a:fld id="{489BBDF3-AD16-4D86-A3BC-AAB36FE465C3}" type="datetimeFigureOut">
               <a:rPr lang="en-US" smtClean="0"/>
-              <a:t>5/8/2018</a:t>
+              <a:t>5/28/2018</a:t>
             </a:fld>
             <a:endParaRPr lang="en-US"/>
           </a:p>
@@ -2668,7 +2674,7 @@
           <a:p>
             <a:fld id="{489BBDF3-AD16-4D86-A3BC-AAB36FE465C3}" type="datetimeFigureOut">
               <a:rPr lang="en-US" smtClean="0"/>
-              <a:t>5/8/2018</a:t>
+              <a:t>5/28/2018</a:t>
             </a:fld>
             <a:endParaRPr lang="en-US"/>
           </a:p>
@@ -2909,7 +2915,7 @@
           <a:p>
             <a:fld id="{489BBDF3-AD16-4D86-A3BC-AAB36FE465C3}" type="datetimeFigureOut">
               <a:rPr lang="en-US" smtClean="0"/>
-              <a:t>5/8/2018</a:t>
+              <a:t>5/28/2018</a:t>
             </a:fld>
             <a:endParaRPr lang="en-US"/>
           </a:p>
@@ -3518,6 +3524,20 @@
             <a:pPr marL="0" indent="0">
               <a:buNone/>
             </a:pPr>
+            <a:r>
+              <a:rPr lang="en-US" sz="1500" dirty="0"/>
+              <a:t>This is </a:t>
+            </a:r>
+            <a:r>
+              <a:rPr lang="en-US" sz="1500"/>
+              <a:t>new line</a:t>
+            </a:r>
+            <a:endParaRPr lang="en-US" sz="1500" dirty="0"/>
+          </a:p>
+          <a:p>
+            <a:pPr marL="0" indent="0">
+              <a:buNone/>
+            </a:pPr>
             <a:endParaRPr lang="en-US" sz="1500" dirty="0"/>
           </a:p>
         </p:txBody>
@@ -3526,6 +3546,86 @@
     <p:extLst>
       <p:ext uri="{BB962C8B-B14F-4D97-AF65-F5344CB8AC3E}">
         <p14:creationId xmlns:p14="http://schemas.microsoft.com/office/powerpoint/2010/main" val="1262511513"/>
+      </p:ext>
+    </p:extLst>
+  </p:cSld>
+  <p:clrMapOvr>
+    <a:masterClrMapping/>
+  </p:clrMapOvr>
+</p:sld>
+</file>
+
+<file path=ppt/slides/slide3.xml><?xml version="1.0" encoding="utf-8"?>
+<p:sld xmlns:a="http://schemas.openxmlformats.org/drawingml/2006/main" xmlns:r="http://schemas.openxmlformats.org/officeDocument/2006/relationships" xmlns:p="http://schemas.openxmlformats.org/presentationml/2006/main">
+  <p:cSld>
+    <p:spTree>
+      <p:nvGrpSpPr>
+        <p:cNvPr id="1" name=""/>
+        <p:cNvGrpSpPr/>
+        <p:nvPr/>
+      </p:nvGrpSpPr>
+      <p:grpSpPr>
+        <a:xfrm>
+          <a:off x="0" y="0"/>
+          <a:ext cx="0" cy="0"/>
+          <a:chOff x="0" y="0"/>
+          <a:chExt cx="0" cy="0"/>
+        </a:xfrm>
+      </p:grpSpPr>
+      <p:sp>
+        <p:nvSpPr>
+          <p:cNvPr id="2" name="Title 1">
+            <a:extLst>
+              <a:ext uri="{FF2B5EF4-FFF2-40B4-BE49-F238E27FC236}">
+                <a16:creationId xmlns:a16="http://schemas.microsoft.com/office/drawing/2014/main" id="{F3F7372C-218C-4459-9E3F-16AF77A9811C}"/>
+              </a:ext>
+            </a:extLst>
+          </p:cNvPr>
+          <p:cNvSpPr>
+            <a:spLocks noGrp="1"/>
+          </p:cNvSpPr>
+          <p:nvPr>
+            <p:ph type="title"/>
+          </p:nvPr>
+        </p:nvSpPr>
+        <p:spPr/>
+        <p:txBody>
+          <a:bodyPr/>
+          <a:lstStyle/>
+          <a:p>
+            <a:endParaRPr lang="en-US"/>
+          </a:p>
+        </p:txBody>
+      </p:sp>
+      <p:sp>
+        <p:nvSpPr>
+          <p:cNvPr id="3" name="Content Placeholder 2">
+            <a:extLst>
+              <a:ext uri="{FF2B5EF4-FFF2-40B4-BE49-F238E27FC236}">
+                <a16:creationId xmlns:a16="http://schemas.microsoft.com/office/drawing/2014/main" id="{A4B06B15-19C4-44B9-8A9C-CE7DEF488E60}"/>
+              </a:ext>
+            </a:extLst>
+          </p:cNvPr>
+          <p:cNvSpPr>
+            <a:spLocks noGrp="1"/>
+          </p:cNvSpPr>
+          <p:nvPr>
+            <p:ph idx="1"/>
+          </p:nvPr>
+        </p:nvSpPr>
+        <p:spPr/>
+        <p:txBody>
+          <a:bodyPr/>
+          <a:lstStyle/>
+          <a:p>
+            <a:endParaRPr lang="en-US"/>
+          </a:p>
+        </p:txBody>
+      </p:sp>
+    </p:spTree>
+    <p:extLst>
+      <p:ext uri="{BB962C8B-B14F-4D97-AF65-F5344CB8AC3E}">
+        <p14:creationId xmlns:p14="http://schemas.microsoft.com/office/powerpoint/2010/main" val="2093513123"/>
       </p:ext>
     </p:extLst>
   </p:cSld>
